--- a/AsyncCSharp50_SP.pptx
+++ b/AsyncCSharp50_SP.pptx
@@ -18596,14 +18596,6 @@
               </a:rPr>
               <a:t>Entidades de más alto nivel</a:t>
             </a:r>
-            <a:endParaRPr lang="es-AR" sz="2800" dirty="0" smtClean="0">
-              <a:ln w="0">
-                <a:noFill/>
-              </a:ln>
-              <a:solidFill>
-                <a:schemeClr val="bg2"/>
-              </a:solidFill>
-            </a:endParaRPr>
           </a:p>
           <a:p>
             <a:r>
@@ -19788,7 +19780,6 @@
               <a:rPr lang="es-AR" dirty="0" smtClean="0"/>
               <a:t> que la tarea “puede” empezar, y retorna inmediatamente</a:t>
             </a:r>
-            <a:endParaRPr lang="es-AR" dirty="0" smtClean="0"/>
           </a:p>
         </p:txBody>
       </p:sp>
@@ -20540,27 +20531,8 @@
                   <a:schemeClr val="bg2"/>
                 </a:solidFill>
               </a:rPr>
-              <a:t>Cuándo est</a:t>
-            </a:r>
-            <a:r>
-              <a:rPr lang="es-AR" sz="2800" dirty="0" smtClean="0">
-                <a:ln w="0">
-                  <a:noFill/>
-                </a:ln>
-                <a:solidFill>
-                  <a:schemeClr val="bg2"/>
-                </a:solidFill>
-              </a:rPr>
-              <a:t>á completa una tarea?</a:t>
-            </a:r>
-            <a:endParaRPr lang="es-AR" sz="2800" dirty="0" smtClean="0">
-              <a:ln w="0">
-                <a:noFill/>
-              </a:ln>
-              <a:solidFill>
-                <a:schemeClr val="bg2"/>
-              </a:solidFill>
-            </a:endParaRPr>
+              <a:t>Cuándo está completa una tarea?</a:t>
+            </a:r>
           </a:p>
           <a:p>
             <a:pPr lvl="1"/>
@@ -20669,13 +20641,6 @@
               </a:rPr>
               <a:t>}</a:t>
             </a:r>
-            <a:endParaRPr lang="es-AR" sz="2000" dirty="0" smtClean="0">
-              <a:solidFill>
-                <a:srgbClr val="000000"/>
-              </a:solidFill>
-              <a:latin typeface="Courier New" panose="02070309020205020404" pitchFamily="49" charset="0"/>
-              <a:cs typeface="Courier New" panose="02070309020205020404" pitchFamily="49" charset="0"/>
-            </a:endParaRPr>
           </a:p>
         </p:txBody>
       </p:sp>
@@ -21409,15 +21374,7 @@
             </a:r>
             <a:r>
               <a:rPr lang="es-AR" dirty="0" smtClean="0"/>
-              <a:t> </a:t>
-            </a:r>
-            <a:r>
-              <a:rPr lang="es-AR" dirty="0" smtClean="0"/>
-              <a:t>en </a:t>
-            </a:r>
-            <a:r>
-              <a:rPr lang="es-AR" dirty="0" smtClean="0"/>
-              <a:t>C# 5.0</a:t>
+              <a:t> en C# 5.0</a:t>
             </a:r>
             <a:endParaRPr lang="en-US" dirty="0"/>
           </a:p>
@@ -21438,7 +21395,15 @@
           <a:bodyPr/>
           <a:lstStyle/>
           <a:p>
-            <a:endParaRPr lang="en-US"/>
+            <a:r>
+              <a:rPr lang="en-US" dirty="0"/>
+              <a:t>tinyurl.com/</a:t>
+            </a:r>
+            <a:r>
+              <a:rPr lang="en-US" dirty="0" err="1"/>
+              <a:t>glasync</a:t>
+            </a:r>
+            <a:endParaRPr lang="en-US" dirty="0"/>
           </a:p>
         </p:txBody>
       </p:sp>
@@ -21699,14 +21664,6 @@
               </a:rPr>
               <a:t> del objeto Task</a:t>
             </a:r>
-            <a:endParaRPr lang="es-AR" sz="2800" dirty="0" smtClean="0">
-              <a:ln w="0">
-                <a:noFill/>
-              </a:ln>
-              <a:solidFill>
-                <a:schemeClr val="bg2"/>
-              </a:solidFill>
-            </a:endParaRPr>
           </a:p>
           <a:p>
             <a:r>
@@ -21890,15 +21847,7 @@
             </a:r>
             <a:r>
               <a:rPr lang="en-US" dirty="0" smtClean="0"/>
-              <a:t> </a:t>
-            </a:r>
-            <a:r>
-              <a:rPr lang="en-US" dirty="0" smtClean="0"/>
-              <a:t>– </a:t>
-            </a:r>
-            <a:r>
-              <a:rPr lang="en-US" dirty="0" smtClean="0"/>
-              <a:t>Sin </a:t>
+              <a:t> – Sin </a:t>
             </a:r>
             <a:r>
               <a:rPr lang="en-US" dirty="0" err="1" smtClean="0"/>
@@ -23143,18 +23092,7 @@
                   <a:schemeClr val="bg2"/>
                 </a:solidFill>
               </a:rPr>
-              <a:t>Acceder </a:t>
-            </a:r>
-            <a:r>
-              <a:rPr lang="es-AR" sz="2000" dirty="0" smtClean="0">
-                <a:ln w="0">
-                  <a:noFill/>
-                </a:ln>
-                <a:solidFill>
-                  <a:schemeClr val="bg2"/>
-                </a:solidFill>
-              </a:rPr>
-              <a:t>.</a:t>
+              <a:t>Acceder .</a:t>
             </a:r>
             <a:r>
               <a:rPr lang="es-AR" sz="2000" dirty="0" err="1" smtClean="0">
@@ -23758,14 +23696,6 @@
               </a:rPr>
               <a:t> en el objeto Task</a:t>
             </a:r>
-            <a:endParaRPr lang="es-AR" sz="2800" dirty="0" smtClean="0">
-              <a:ln w="0">
-                <a:noFill/>
-              </a:ln>
-              <a:solidFill>
-                <a:schemeClr val="bg2"/>
-              </a:solidFill>
-            </a:endParaRPr>
           </a:p>
         </p:txBody>
       </p:sp>
@@ -28970,7 +28900,18 @@
                   <a:schemeClr val="bg2"/>
                 </a:solidFill>
               </a:rPr>
-              <a:t>Otros métodos qu</a:t>
+              <a:t>Otros métodos que llamen a un método marcado como </a:t>
+            </a:r>
+            <a:r>
+              <a:rPr lang="es-AR" sz="2800" dirty="0" err="1" smtClean="0">
+                <a:ln w="0">
+                  <a:noFill/>
+                </a:ln>
+                <a:solidFill>
+                  <a:schemeClr val="bg2"/>
+                </a:solidFill>
+              </a:rPr>
+              <a:t>async</a:t>
             </a:r>
             <a:r>
               <a:rPr lang="es-AR" sz="2800" dirty="0" smtClean="0">
@@ -28981,7 +28922,7 @@
                   <a:schemeClr val="bg2"/>
                 </a:solidFill>
               </a:rPr>
-              <a:t>e llamen a un método marcado como </a:t>
+              <a:t> pueden a su vez utilizar </a:t>
             </a:r>
             <a:r>
               <a:rPr lang="es-AR" sz="2800" dirty="0" err="1" smtClean="0">
@@ -28992,7 +28933,7 @@
                   <a:schemeClr val="bg2"/>
                 </a:solidFill>
               </a:rPr>
-              <a:t>async</a:t>
+              <a:t>await</a:t>
             </a:r>
             <a:r>
               <a:rPr lang="es-AR" sz="2800" dirty="0" smtClean="0">
@@ -29003,38 +28944,8 @@
                   <a:schemeClr val="bg2"/>
                 </a:solidFill>
               </a:rPr>
-              <a:t> pueden a su vez utilizar </a:t>
-            </a:r>
-            <a:r>
-              <a:rPr lang="es-AR" sz="2800" dirty="0" err="1" smtClean="0">
-                <a:ln w="0">
-                  <a:noFill/>
-                </a:ln>
-                <a:solidFill>
-                  <a:schemeClr val="bg2"/>
-                </a:solidFill>
-              </a:rPr>
-              <a:t>await</a:t>
-            </a:r>
-            <a:r>
-              <a:rPr lang="es-AR" sz="2800" dirty="0" smtClean="0">
-                <a:ln w="0">
-                  <a:noFill/>
-                </a:ln>
-                <a:solidFill>
-                  <a:schemeClr val="bg2"/>
-                </a:solidFill>
-              </a:rPr>
               <a:t> sobre éste.</a:t>
             </a:r>
-            <a:endParaRPr lang="es-AR" sz="2800" dirty="0" smtClean="0">
-              <a:ln w="0">
-                <a:noFill/>
-              </a:ln>
-              <a:solidFill>
-                <a:schemeClr val="bg2"/>
-              </a:solidFill>
-            </a:endParaRPr>
           </a:p>
         </p:txBody>
       </p:sp>
@@ -29316,7 +29227,18 @@
                   <a:schemeClr val="bg2"/>
                 </a:solidFill>
               </a:rPr>
-              <a:t> si </a:t>
+              <a:t> si se está escribiendo un </a:t>
+            </a:r>
+            <a:r>
+              <a:rPr lang="es-AR" sz="2400" dirty="0" err="1" smtClean="0">
+                <a:ln w="0">
+                  <a:noFill/>
+                </a:ln>
+                <a:solidFill>
+                  <a:schemeClr val="bg2"/>
+                </a:solidFill>
+              </a:rPr>
+              <a:t>async</a:t>
             </a:r>
             <a:r>
               <a:rPr lang="es-AR" sz="2400" dirty="0" smtClean="0">
@@ -29327,7 +29249,7 @@
                   <a:schemeClr val="bg2"/>
                 </a:solidFill>
               </a:rPr>
-              <a:t>se está escribiendo un </a:t>
+              <a:t> </a:t>
             </a:r>
             <a:r>
               <a:rPr lang="es-AR" sz="2400" dirty="0" err="1" smtClean="0">
@@ -29338,7 +29260,7 @@
                   <a:schemeClr val="bg2"/>
                 </a:solidFill>
               </a:rPr>
-              <a:t>async</a:t>
+              <a:t>event</a:t>
             </a:r>
             <a:r>
               <a:rPr lang="es-AR" sz="2400" dirty="0" smtClean="0">
@@ -29360,7 +29282,7 @@
                   <a:schemeClr val="bg2"/>
                 </a:solidFill>
               </a:rPr>
-              <a:t>event</a:t>
+              <a:t>handler</a:t>
             </a:r>
             <a:r>
               <a:rPr lang="es-AR" sz="2400" dirty="0" smtClean="0">
@@ -29371,28 +29293,6 @@
                   <a:schemeClr val="bg2"/>
                 </a:solidFill>
               </a:rPr>
-              <a:t> </a:t>
-            </a:r>
-            <a:r>
-              <a:rPr lang="es-AR" sz="2400" dirty="0" err="1" smtClean="0">
-                <a:ln w="0">
-                  <a:noFill/>
-                </a:ln>
-                <a:solidFill>
-                  <a:schemeClr val="bg2"/>
-                </a:solidFill>
-              </a:rPr>
-              <a:t>handler</a:t>
-            </a:r>
-            <a:r>
-              <a:rPr lang="es-AR" sz="2400" dirty="0" smtClean="0">
-                <a:ln w="0">
-                  <a:noFill/>
-                </a:ln>
-                <a:solidFill>
-                  <a:schemeClr val="bg2"/>
-                </a:solidFill>
-              </a:rPr>
               <a:t>.</a:t>
             </a:r>
           </a:p>
@@ -29432,14 +29332,6 @@
               </a:rPr>
               <a:t>.</a:t>
             </a:r>
-            <a:endParaRPr lang="es-AR" sz="2800" dirty="0" smtClean="0">
-              <a:ln w="0">
-                <a:noFill/>
-              </a:ln>
-              <a:solidFill>
-                <a:schemeClr val="bg2"/>
-              </a:solidFill>
-            </a:endParaRPr>
           </a:p>
         </p:txBody>
       </p:sp>
@@ -29712,17 +29604,6 @@
               </a:rPr>
               <a:t> {</a:t>
             </a:r>
-            <a:endParaRPr kumimoji="0" lang="es-AR" b="0" i="0" u="none" strike="noStrike" cap="none" normalizeH="0" dirty="0" smtClean="0">
-              <a:ln>
-                <a:noFill/>
-              </a:ln>
-              <a:solidFill>
-                <a:srgbClr val="000000"/>
-              </a:solidFill>
-              <a:effectLst/>
-              <a:latin typeface="Courier New" panose="02070309020205020404" pitchFamily="49" charset="0"/>
-              <a:cs typeface="Courier New" panose="02070309020205020404" pitchFamily="49" charset="0"/>
-            </a:endParaRPr>
           </a:p>
         </p:txBody>
       </p:sp>
@@ -30585,17 +30466,6 @@
               </a:rPr>
               <a:t>}</a:t>
             </a:r>
-            <a:endParaRPr kumimoji="0" lang="es-AR" b="0" i="0" u="none" strike="noStrike" cap="none" normalizeH="0" dirty="0" smtClean="0">
-              <a:ln>
-                <a:noFill/>
-              </a:ln>
-              <a:solidFill>
-                <a:srgbClr val="000000"/>
-              </a:solidFill>
-              <a:effectLst/>
-              <a:latin typeface="Courier New" panose="02070309020205020404" pitchFamily="49" charset="0"/>
-              <a:cs typeface="Courier New" panose="02070309020205020404" pitchFamily="49" charset="0"/>
-            </a:endParaRPr>
           </a:p>
         </p:txBody>
       </p:sp>
@@ -30909,11 +30779,7 @@
             <a:pPr algn="ctr"/>
             <a:r>
               <a:rPr lang="es-AR" sz="1600" dirty="0" smtClean="0"/>
-              <a:t>El control </a:t>
-            </a:r>
-            <a:r>
-              <a:rPr lang="es-AR" sz="1600" dirty="0" smtClean="0"/>
-              <a:t>continua aquí cuando </a:t>
+              <a:t>El control continua aquí cuando </a:t>
             </a:r>
             <a:r>
               <a:rPr lang="es-AR" sz="1600" dirty="0" err="1" smtClean="0"/>
@@ -31091,15 +30957,7 @@
             <a:pPr algn="ctr"/>
             <a:r>
               <a:rPr lang="es-AR" sz="1600" dirty="0" smtClean="0"/>
-              <a:t>Eso implica qu</a:t>
-            </a:r>
-            <a:r>
-              <a:rPr lang="es-AR" sz="1600" dirty="0" smtClean="0"/>
-              <a:t>e cuando hacemos </a:t>
-            </a:r>
-            <a:r>
-              <a:rPr lang="es-AR" sz="1600" dirty="0" smtClean="0"/>
-              <a:t>“</a:t>
+              <a:t>Eso implica que cuando hacemos “</a:t>
             </a:r>
             <a:r>
               <a:rPr lang="es-AR" sz="1600" b="1" dirty="0" err="1" smtClean="0"/>
@@ -31233,7 +31091,6 @@
               <a:rPr lang="es-AR" sz="1600" dirty="0"/>
               <a:t>.</a:t>
             </a:r>
-            <a:endParaRPr lang="es-AR" sz="1600" dirty="0"/>
           </a:p>
         </p:txBody>
       </p:sp>
@@ -32679,10 +32536,6 @@
               <a:rPr lang="es-AR" dirty="0" smtClean="0"/>
               <a:t>líneas</a:t>
             </a:r>
-            <a:r>
-              <a:rPr lang="es-AR" dirty="0" smtClean="0"/>
-              <a:t/>
-            </a:r>
             <a:br>
               <a:rPr lang="es-AR" dirty="0" smtClean="0"/>
             </a:br>
@@ -34844,7 +34697,6 @@
               <a:rPr lang="es-AR" dirty="0" smtClean="0"/>
               <a:t>Introducción</a:t>
             </a:r>
-            <a:endParaRPr lang="es-AR" dirty="0" smtClean="0"/>
           </a:p>
           <a:p>
             <a:r>
@@ -34998,12 +34850,6 @@
               </a:rPr>
               <a:t> Controllers</a:t>
             </a:r>
-            <a:endParaRPr lang="en-US" kern="1200" dirty="0">
-              <a:solidFill>
-                <a:srgbClr val="F69264"/>
-              </a:solidFill>
-              <a:cs typeface="+mn-cs"/>
-            </a:endParaRPr>
           </a:p>
         </p:txBody>
       </p:sp>
@@ -37668,8 +37514,10 @@
                   <a:schemeClr val="bg2"/>
                 </a:solidFill>
               </a:rPr>
-              <a:t> se agreg</a:t>
-            </a:r>
+              <a:t> se agregó a la llamada del servicio</a:t>
+            </a:r>
+          </a:p>
+          <a:p>
             <a:r>
               <a:rPr lang="es-AR" sz="2800" dirty="0" smtClean="0">
                 <a:ln w="0">
@@ -37679,10 +37527,19 @@
                   <a:schemeClr val="bg2"/>
                 </a:solidFill>
               </a:rPr>
-              <a:t>ó a la llamada del servicio</a:t>
-            </a:r>
-          </a:p>
-          <a:p>
+              <a:t>Se utilizó la versión </a:t>
+            </a:r>
+            <a:r>
+              <a:rPr lang="es-AR" sz="2800" dirty="0" err="1" smtClean="0">
+                <a:ln w="0">
+                  <a:noFill/>
+                </a:ln>
+                <a:solidFill>
+                  <a:schemeClr val="bg2"/>
+                </a:solidFill>
+              </a:rPr>
+              <a:t>async</a:t>
+            </a:r>
             <a:r>
               <a:rPr lang="es-AR" sz="2800" dirty="0" smtClean="0">
                 <a:ln w="0">
@@ -37692,7 +37549,7 @@
                   <a:schemeClr val="bg2"/>
                 </a:solidFill>
               </a:rPr>
-              <a:t>Se utilizó la versión </a:t>
+              <a:t> de la API del servicio (</a:t>
             </a:r>
             <a:r>
               <a:rPr lang="es-AR" sz="2800" dirty="0" err="1" smtClean="0">
@@ -37703,7 +37560,7 @@
                   <a:schemeClr val="bg2"/>
                 </a:solidFill>
               </a:rPr>
-              <a:t>async</a:t>
+              <a:t>GetContentLengthAsync</a:t>
             </a:r>
             <a:r>
               <a:rPr lang="es-AR" sz="2800" dirty="0" smtClean="0">
@@ -37714,38 +37571,8 @@
                   <a:schemeClr val="bg2"/>
                 </a:solidFill>
               </a:rPr>
-              <a:t> de la API del servicio (</a:t>
-            </a:r>
-            <a:r>
-              <a:rPr lang="es-AR" sz="2800" dirty="0" err="1" smtClean="0">
-                <a:ln w="0">
-                  <a:noFill/>
-                </a:ln>
-                <a:solidFill>
-                  <a:schemeClr val="bg2"/>
-                </a:solidFill>
-              </a:rPr>
-              <a:t>GetContentLengthAsync</a:t>
-            </a:r>
-            <a:r>
-              <a:rPr lang="es-AR" sz="2800" dirty="0" smtClean="0">
-                <a:ln w="0">
-                  <a:noFill/>
-                </a:ln>
-                <a:solidFill>
-                  <a:schemeClr val="bg2"/>
-                </a:solidFill>
-              </a:rPr>
               <a:t>).</a:t>
             </a:r>
-            <a:endParaRPr lang="es-AR" sz="2800" dirty="0" smtClean="0">
-              <a:ln w="0">
-                <a:noFill/>
-              </a:ln>
-              <a:solidFill>
-                <a:schemeClr val="bg2"/>
-              </a:solidFill>
-            </a:endParaRPr>
           </a:p>
         </p:txBody>
       </p:sp>
@@ -39163,18 +38990,7 @@
                   <a:schemeClr val="bg2"/>
                 </a:solidFill>
               </a:rPr>
-              <a:t> de ejecuciones potencial</a:t>
-            </a:r>
-            <a:r>
-              <a:rPr lang="es-AR" dirty="0" smtClean="0">
-                <a:ln w="0">
-                  <a:noFill/>
-                </a:ln>
-                <a:solidFill>
-                  <a:schemeClr val="bg2"/>
-                </a:solidFill>
-              </a:rPr>
-              <a:t>mente largas u operaciones bloqueantes (ej.: I/O) iniciándolas en </a:t>
+              <a:t> de ejecuciones potencialmente largas u operaciones bloqueantes (ej.: I/O) iniciándolas en </a:t>
             </a:r>
             <a:r>
               <a:rPr lang="es-AR" dirty="0" err="1" smtClean="0">
@@ -39275,15 +39091,7 @@
             </a:r>
             <a:r>
               <a:rPr lang="en-US" dirty="0" smtClean="0"/>
-              <a:t> </a:t>
-            </a:r>
-            <a:r>
-              <a:rPr lang="en-US" dirty="0" smtClean="0"/>
-              <a:t>y </a:t>
-            </a:r>
-            <a:r>
-              <a:rPr lang="en-US" dirty="0" smtClean="0"/>
-              <a:t>Parallel programming</a:t>
+              <a:t> y Parallel programming</a:t>
             </a:r>
             <a:endParaRPr lang="en-US" dirty="0"/>
           </a:p>
@@ -39425,40 +39233,7 @@
                   <a:schemeClr val="bg2"/>
                 </a:solidFill>
               </a:rPr>
-              <a:t>Dis</a:t>
-            </a:r>
-            <a:r>
-              <a:rPr lang="es-AR" sz="2800" dirty="0" smtClean="0">
-                <a:ln w="0">
-                  <a:noFill/>
-                </a:ln>
-                <a:solidFill>
-                  <a:schemeClr val="bg2"/>
-                </a:solidFill>
-              </a:rPr>
-              <a:t>ponible en</a:t>
-            </a:r>
-            <a:r>
-              <a:rPr lang="es-AR" sz="2800" dirty="0" smtClean="0">
-                <a:ln w="0">
-                  <a:noFill/>
-                </a:ln>
-                <a:solidFill>
-                  <a:schemeClr val="bg2"/>
-                </a:solidFill>
-              </a:rPr>
-              <a:t> </a:t>
-            </a:r>
-            <a:r>
-              <a:rPr lang="es-AR" sz="2800" dirty="0" smtClean="0">
-                <a:ln w="0">
-                  <a:noFill/>
-                </a:ln>
-                <a:solidFill>
-                  <a:schemeClr val="bg2"/>
-                </a:solidFill>
-              </a:rPr>
-              <a:t>C</a:t>
+              <a:t>Disponible en C</a:t>
             </a:r>
             <a:r>
               <a:rPr lang="es-AR" sz="2800" smtClean="0">
@@ -39469,18 +39244,7 @@
                   <a:schemeClr val="bg2"/>
                 </a:solidFill>
               </a:rPr>
-              <a:t># </a:t>
-            </a:r>
-            <a:r>
-              <a:rPr lang="es-AR" sz="2800" smtClean="0">
-                <a:ln w="0">
-                  <a:noFill/>
-                </a:ln>
-                <a:solidFill>
-                  <a:schemeClr val="bg2"/>
-                </a:solidFill>
-              </a:rPr>
-              <a:t>5 </a:t>
+              <a:t># 5 </a:t>
             </a:r>
             <a:r>
               <a:rPr lang="es-AR" sz="2800" dirty="0" smtClean="0">

--- a/AsyncCSharp50_SP.pptx
+++ b/AsyncCSharp50_SP.pptx
@@ -689,7 +689,7 @@
           <a:p>
             <a:fld id="{45720E3F-8D28-284B-8FA8-1F56EFCC2A55}" type="datetimeFigureOut">
               <a:rPr lang="en-US" smtClean="0"/>
-              <a:t>9/24/2013</a:t>
+              <a:t>10/8/2015</a:t>
             </a:fld>
             <a:endParaRPr lang="en-US" dirty="0"/>
           </a:p>
@@ -854,7 +854,7 @@
           <a:p>
             <a:fld id="{0C3534DE-0D6E-7F44-BDCB-A52509C287C5}" type="datetimeFigureOut">
               <a:rPr lang="en-US" smtClean="0"/>
-              <a:t>9/24/2013</a:t>
+              <a:t>10/8/2015</a:t>
             </a:fld>
             <a:endParaRPr lang="en-US" dirty="0"/>
           </a:p>
@@ -21374,7 +21374,11 @@
             </a:r>
             <a:r>
               <a:rPr lang="es-AR" dirty="0" smtClean="0"/>
-              <a:t> en C# 5.0</a:t>
+              <a:t> en C</a:t>
+            </a:r>
+            <a:r>
+              <a:rPr lang="es-AR" dirty="0" smtClean="0"/>
+              <a:t>#</a:t>
             </a:r>
             <a:endParaRPr lang="en-US" dirty="0"/>
           </a:p>
@@ -21396,12 +21400,8 @@
           <a:lstStyle/>
           <a:p>
             <a:r>
-              <a:rPr lang="en-US" dirty="0"/>
-              <a:t>tinyurl.com/</a:t>
-            </a:r>
-            <a:r>
-              <a:rPr lang="en-US" dirty="0" err="1"/>
-              <a:t>glasync</a:t>
+              <a:rPr lang="en-US" smtClean="0"/>
+              <a:t>http://tinyurl.com/glasync</a:t>
             </a:r>
             <a:endParaRPr lang="en-US" dirty="0"/>
           </a:p>
